--- a/1조화면설계.pptx
+++ b/1조화면설계.pptx
@@ -8,13 +8,14 @@
     <p:notesMasterId r:id="rId4"/>
   </p:notesMasterIdLst>
   <p:sldIdLst>
-    <p:sldId id="256" r:id="rId3"/>
-    <p:sldId id="257" r:id="rId5"/>
-    <p:sldId id="260" r:id="rId6"/>
-    <p:sldId id="261" r:id="rId7"/>
-    <p:sldId id="262" r:id="rId8"/>
-    <p:sldId id="263" r:id="rId9"/>
-    <p:sldId id="264" r:id="rId10"/>
+    <p:sldId id="266" r:id="rId3"/>
+    <p:sldId id="256" r:id="rId5"/>
+    <p:sldId id="257" r:id="rId6"/>
+    <p:sldId id="260" r:id="rId7"/>
+    <p:sldId id="261" r:id="rId8"/>
+    <p:sldId id="262" r:id="rId9"/>
+    <p:sldId id="263" r:id="rId10"/>
+    <p:sldId id="264" r:id="rId11"/>
   </p:sldIdLst>
   <p:sldSz cx="9144000" cy="5143500"/>
   <p:notesSz cx="6858000" cy="9144000"/>
@@ -690,6 +691,105 @@
   <p:cSld>
     <p:spTree>
       <p:nvGrpSpPr>
+        <p:cNvPr id="231" name="Shape 231"/>
+        <p:cNvGrpSpPr/>
+        <p:nvPr/>
+      </p:nvGrpSpPr>
+      <p:grpSpPr>
+        <a:xfrm>
+          <a:off x="0" y="0"/>
+          <a:ext cx="0" cy="0"/>
+          <a:chOff x="0" y="0"/>
+          <a:chExt cx="0" cy="0"/>
+        </a:xfrm>
+      </p:grpSpPr>
+      <p:sp>
+        <p:nvSpPr>
+          <p:cNvPr id="232" name="Google Shape;232;ga8259ffb8f_11_1:notes"/>
+          <p:cNvSpPr/>
+          <p:nvPr>
+            <p:ph type="sldImg" idx="2"/>
+          </p:nvPr>
+        </p:nvSpPr>
+        <p:spPr>
+          <a:xfrm>
+            <a:off x="381300" y="685800"/>
+            <a:ext cx="6096000" cy="3429000"/>
+          </a:xfrm>
+          <a:custGeom>
+            <a:avLst/>
+            <a:gdLst/>
+            <a:ahLst/>
+            <a:cxnLst/>
+            <a:rect l="l" t="t" r="r" b="b"/>
+            <a:pathLst>
+              <a:path w="120000" h="120000" extrusionOk="0">
+                <a:moveTo>
+                  <a:pt x="0" y="0"/>
+                </a:moveTo>
+                <a:lnTo>
+                  <a:pt x="120000" y="0"/>
+                </a:lnTo>
+                <a:lnTo>
+                  <a:pt x="120000" y="120000"/>
+                </a:lnTo>
+                <a:lnTo>
+                  <a:pt x="0" y="120000"/>
+                </a:lnTo>
+                <a:close/>
+              </a:path>
+            </a:pathLst>
+          </a:custGeom>
+        </p:spPr>
+      </p:sp>
+      <p:sp>
+        <p:nvSpPr>
+          <p:cNvPr id="233" name="Google Shape;233;ga8259ffb8f_11_1:notes"/>
+          <p:cNvSpPr txBox="1"/>
+          <p:nvPr>
+            <p:ph type="body" idx="1"/>
+          </p:nvPr>
+        </p:nvSpPr>
+        <p:spPr>
+          <a:xfrm>
+            <a:off x="685800" y="4343400"/>
+            <a:ext cx="5486400" cy="4114800"/>
+          </a:xfrm>
+          <a:prstGeom prst="rect">
+            <a:avLst/>
+          </a:prstGeom>
+        </p:spPr>
+        <p:txBody>
+          <a:bodyPr spcFirstLastPara="1" wrap="square" lIns="91425" tIns="91425" rIns="91425" bIns="91425" anchor="t" anchorCtr="0">
+            <a:noAutofit/>
+          </a:bodyPr>
+          <a:lstStyle/>
+          <a:p>
+            <a:pPr marL="0" lvl="0" indent="0" algn="l" rtl="0">
+              <a:spcBef>
+                <a:spcPts val="0"/>
+              </a:spcBef>
+              <a:spcAft>
+                <a:spcPts val="0"/>
+              </a:spcAft>
+              <a:buNone/>
+            </a:pPr>
+          </a:p>
+        </p:txBody>
+      </p:sp>
+    </p:spTree>
+  </p:cSld>
+  <p:clrMapOvr>
+    <a:masterClrMapping/>
+  </p:clrMapOvr>
+</p:notes>
+</file>
+
+<file path=ppt/notesSlides/notesSlide2.xml><?xml version="1.0" encoding="utf-8"?>
+<p:notes xmlns:a="http://schemas.openxmlformats.org/drawingml/2006/main" xmlns:r="http://schemas.openxmlformats.org/officeDocument/2006/relationships" xmlns:p="http://schemas.openxmlformats.org/presentationml/2006/main" showMasterPhAnim="0" showMasterSp="0">
+  <p:cSld>
+    <p:spTree>
+      <p:nvGrpSpPr>
         <p:cNvPr id="50" name="Shape 50"/>
         <p:cNvGrpSpPr/>
         <p:nvPr/>
@@ -784,7 +884,7 @@
 </p:notes>
 </file>
 
-<file path=ppt/notesSlides/notesSlide2.xml><?xml version="1.0" encoding="utf-8"?>
+<file path=ppt/notesSlides/notesSlide3.xml><?xml version="1.0" encoding="utf-8"?>
 <p:notes xmlns:a="http://schemas.openxmlformats.org/drawingml/2006/main" xmlns:r="http://schemas.openxmlformats.org/officeDocument/2006/relationships" xmlns:p="http://schemas.openxmlformats.org/presentationml/2006/main" showMasterPhAnim="0" showMasterSp="0">
   <p:cSld>
     <p:spTree>
@@ -883,7 +983,7 @@
 </p:notes>
 </file>
 
-<file path=ppt/notesSlides/notesSlide3.xml><?xml version="1.0" encoding="utf-8"?>
+<file path=ppt/notesSlides/notesSlide4.xml><?xml version="1.0" encoding="utf-8"?>
 <p:notes xmlns:a="http://schemas.openxmlformats.org/drawingml/2006/main" xmlns:r="http://schemas.openxmlformats.org/officeDocument/2006/relationships" xmlns:p="http://schemas.openxmlformats.org/presentationml/2006/main" showMasterPhAnim="0" showMasterSp="0">
   <p:cSld>
     <p:spTree>
@@ -982,7 +1082,7 @@
 </p:notes>
 </file>
 
-<file path=ppt/notesSlides/notesSlide4.xml><?xml version="1.0" encoding="utf-8"?>
+<file path=ppt/notesSlides/notesSlide5.xml><?xml version="1.0" encoding="utf-8"?>
 <p:notes xmlns:a="http://schemas.openxmlformats.org/drawingml/2006/main" xmlns:r="http://schemas.openxmlformats.org/officeDocument/2006/relationships" xmlns:p="http://schemas.openxmlformats.org/presentationml/2006/main" showMasterPhAnim="0" showMasterSp="0">
   <p:cSld>
     <p:spTree>
@@ -1081,7 +1181,7 @@
 </p:notes>
 </file>
 
-<file path=ppt/notesSlides/notesSlide5.xml><?xml version="1.0" encoding="utf-8"?>
+<file path=ppt/notesSlides/notesSlide6.xml><?xml version="1.0" encoding="utf-8"?>
 <p:notes xmlns:a="http://schemas.openxmlformats.org/drawingml/2006/main" xmlns:r="http://schemas.openxmlformats.org/officeDocument/2006/relationships" xmlns:p="http://schemas.openxmlformats.org/presentationml/2006/main" showMasterPhAnim="0" showMasterSp="0">
   <p:cSld>
     <p:spTree>
@@ -1180,7 +1280,7 @@
 </p:notes>
 </file>
 
-<file path=ppt/notesSlides/notesSlide6.xml><?xml version="1.0" encoding="utf-8"?>
+<file path=ppt/notesSlides/notesSlide7.xml><?xml version="1.0" encoding="utf-8"?>
 <p:notes xmlns:a="http://schemas.openxmlformats.org/drawingml/2006/main" xmlns:r="http://schemas.openxmlformats.org/officeDocument/2006/relationships" xmlns:p="http://schemas.openxmlformats.org/presentationml/2006/main" showMasterPhAnim="0" showMasterSp="0">
   <p:cSld>
     <p:spTree>
@@ -1279,7 +1379,7 @@
 </p:notes>
 </file>
 
-<file path=ppt/notesSlides/notesSlide7.xml><?xml version="1.0" encoding="utf-8"?>
+<file path=ppt/notesSlides/notesSlide8.xml><?xml version="1.0" encoding="utf-8"?>
 <p:notes xmlns:a="http://schemas.openxmlformats.org/drawingml/2006/main" xmlns:r="http://schemas.openxmlformats.org/officeDocument/2006/relationships" xmlns:p="http://schemas.openxmlformats.org/presentationml/2006/main" showMasterPhAnim="0" showMasterSp="0">
   <p:cSld>
     <p:spTree>
@@ -6017,6 +6117,109 @@
   <p:cSld>
     <p:spTree>
       <p:nvGrpSpPr>
+        <p:cNvPr id="234" name="Shape 234"/>
+        <p:cNvGrpSpPr/>
+        <p:nvPr/>
+      </p:nvGrpSpPr>
+      <p:grpSpPr>
+        <a:xfrm>
+          <a:off x="0" y="0"/>
+          <a:ext cx="0" cy="0"/>
+          <a:chOff x="0" y="0"/>
+          <a:chExt cx="0" cy="0"/>
+        </a:xfrm>
+      </p:grpSpPr>
+      <p:sp>
+        <p:nvSpPr>
+          <p:cNvPr id="235" name="Google Shape;235;p20"/>
+          <p:cNvSpPr txBox="1"/>
+          <p:nvPr/>
+        </p:nvSpPr>
+        <p:spPr>
+          <a:xfrm>
+            <a:off x="3467855" y="319400"/>
+            <a:ext cx="2208300" cy="353700"/>
+          </a:xfrm>
+          <a:prstGeom prst="rect">
+            <a:avLst/>
+          </a:prstGeom>
+          <a:solidFill>
+            <a:srgbClr val="C9DAF8"/>
+          </a:solidFill>
+          <a:ln>
+            <a:noFill/>
+          </a:ln>
+        </p:spPr>
+        <p:txBody>
+          <a:bodyPr spcFirstLastPara="1" wrap="square" lIns="91425" tIns="91425" rIns="91425" bIns="91425" anchor="t" anchorCtr="0">
+            <a:noAutofit/>
+          </a:bodyPr>
+          <a:lstStyle/>
+          <a:p>
+            <a:pPr marL="0" lvl="0" indent="0" algn="ctr" rtl="0">
+              <a:spcBef>
+                <a:spcPts val="0"/>
+              </a:spcBef>
+              <a:spcAft>
+                <a:spcPts val="0"/>
+              </a:spcAft>
+              <a:buNone/>
+            </a:pPr>
+            <a:r>
+              <a:rPr lang="en-GB">
+                <a:solidFill>
+                  <a:srgbClr val="0B5394"/>
+                </a:solidFill>
+              </a:rPr>
+              <a:t>1조 자바프로젝트</a:t>
+            </a:r>
+            <a:endParaRPr>
+              <a:solidFill>
+                <a:srgbClr val="0B5394"/>
+              </a:solidFill>
+            </a:endParaRPr>
+          </a:p>
+        </p:txBody>
+      </p:sp>
+      <p:pic>
+        <p:nvPicPr>
+          <p:cNvPr id="236" name="Google Shape;236;p20"/>
+          <p:cNvPicPr preferRelativeResize="0"/>
+          <p:nvPr/>
+        </p:nvPicPr>
+        <p:blipFill>
+          <a:blip r:embed="rId1"/>
+          <a:stretch>
+            <a:fillRect/>
+          </a:stretch>
+        </p:blipFill>
+        <p:spPr>
+          <a:xfrm>
+            <a:off x="1576388" y="887775"/>
+            <a:ext cx="5991225" cy="3743325"/>
+          </a:xfrm>
+          <a:prstGeom prst="rect">
+            <a:avLst/>
+          </a:prstGeom>
+          <a:noFill/>
+          <a:ln>
+            <a:noFill/>
+          </a:ln>
+        </p:spPr>
+      </p:pic>
+    </p:spTree>
+  </p:cSld>
+  <p:clrMapOvr>
+    <a:masterClrMapping/>
+  </p:clrMapOvr>
+</p:sld>
+</file>
+
+<file path=ppt/slides/slide2.xml><?xml version="1.0" encoding="utf-8"?>
+<p:sld xmlns:a="http://schemas.openxmlformats.org/drawingml/2006/main" xmlns:r="http://schemas.openxmlformats.org/officeDocument/2006/relationships" xmlns:p="http://schemas.openxmlformats.org/presentationml/2006/main">
+  <p:cSld>
+    <p:spTree>
+      <p:nvGrpSpPr>
         <p:cNvPr id="53" name="Shape 53"/>
         <p:cNvGrpSpPr/>
         <p:nvPr/>
@@ -6571,7 +6774,7 @@
 </p:sld>
 </file>
 
-<file path=ppt/slides/slide2.xml><?xml version="1.0" encoding="utf-8"?>
+<file path=ppt/slides/slide3.xml><?xml version="1.0" encoding="utf-8"?>
 <p:sld xmlns:a="http://schemas.openxmlformats.org/drawingml/2006/main" xmlns:r="http://schemas.openxmlformats.org/officeDocument/2006/relationships" xmlns:p="http://schemas.openxmlformats.org/presentationml/2006/main">
   <p:cSld>
     <p:spTree>
@@ -7389,7 +7592,7 @@
 </p:sld>
 </file>
 
-<file path=ppt/slides/slide3.xml><?xml version="1.0" encoding="utf-8"?>
+<file path=ppt/slides/slide4.xml><?xml version="1.0" encoding="utf-8"?>
 <p:sld xmlns:a="http://schemas.openxmlformats.org/drawingml/2006/main" xmlns:r="http://schemas.openxmlformats.org/officeDocument/2006/relationships" xmlns:p="http://schemas.openxmlformats.org/presentationml/2006/main">
   <p:cSld>
     <p:spTree>
@@ -8722,7 +8925,7 @@
 </p:sld>
 </file>
 
-<file path=ppt/slides/slide4.xml><?xml version="1.0" encoding="utf-8"?>
+<file path=ppt/slides/slide5.xml><?xml version="1.0" encoding="utf-8"?>
 <p:sld xmlns:a="http://schemas.openxmlformats.org/drawingml/2006/main" xmlns:r="http://schemas.openxmlformats.org/officeDocument/2006/relationships" xmlns:p="http://schemas.openxmlformats.org/presentationml/2006/main">
   <p:cSld>
     <p:spTree>
@@ -10365,7 +10568,7 @@
 </p:sld>
 </file>
 
-<file path=ppt/slides/slide5.xml><?xml version="1.0" encoding="utf-8"?>
+<file path=ppt/slides/slide6.xml><?xml version="1.0" encoding="utf-8"?>
 <p:sld xmlns:a="http://schemas.openxmlformats.org/drawingml/2006/main" xmlns:r="http://schemas.openxmlformats.org/officeDocument/2006/relationships" xmlns:p="http://schemas.openxmlformats.org/presentationml/2006/main">
   <p:cSld>
     <p:spTree>
@@ -14464,7 +14667,7 @@
 </p:sld>
 </file>
 
-<file path=ppt/slides/slide6.xml><?xml version="1.0" encoding="utf-8"?>
+<file path=ppt/slides/slide7.xml><?xml version="1.0" encoding="utf-8"?>
 <p:sld xmlns:a="http://schemas.openxmlformats.org/drawingml/2006/main" xmlns:r="http://schemas.openxmlformats.org/officeDocument/2006/relationships" xmlns:p="http://schemas.openxmlformats.org/presentationml/2006/main">
   <p:cSld>
     <p:spTree>
@@ -16180,7 +16383,7 @@
 </p:sld>
 </file>
 
-<file path=ppt/slides/slide7.xml><?xml version="1.0" encoding="utf-8"?>
+<file path=ppt/slides/slide8.xml><?xml version="1.0" encoding="utf-8"?>
 <p:sld xmlns:a="http://schemas.openxmlformats.org/drawingml/2006/main" xmlns:r="http://schemas.openxmlformats.org/officeDocument/2006/relationships" xmlns:p="http://schemas.openxmlformats.org/presentationml/2006/main">
   <p:cSld>
     <p:spTree>
